--- a/presentation.pptx
+++ b/presentation.pptx
@@ -20,8 +20,10 @@
     <p:sldId id="271" r:id="rId13"/>
     <p:sldId id="272" r:id="rId14"/>
     <p:sldId id="273" r:id="rId15"/>
-    <p:sldId id="262" r:id="rId16"/>
-    <p:sldId id="264" r:id="rId17"/>
+    <p:sldId id="274" r:id="rId16"/>
+    <p:sldId id="262" r:id="rId17"/>
+    <p:sldId id="275" r:id="rId18"/>
+    <p:sldId id="264" r:id="rId19"/>
   </p:sldIdLst>
   <p:sldSz cx="12192000" cy="6858000"/>
   <p:notesSz cx="6858000" cy="9144000"/>
@@ -2550,6 +2552,239 @@
 </p:sldLayout>
 </file>
 
+<file path=ppt/slideLayouts/slideLayout21.xml><?xml version="1.0" encoding="utf-8"?>
+<p:sldLayout xmlns:a="http://schemas.openxmlformats.org/drawingml/2006/main" xmlns:r="http://schemas.openxmlformats.org/officeDocument/2006/relationships" xmlns:p="http://schemas.openxmlformats.org/presentationml/2006/main" preserve="1" userDrawn="1">
+  <p:cSld name="w_fourlongphotos">
+    <p:spTree>
+      <p:nvGrpSpPr>
+        <p:cNvPr id="1" name=""/>
+        <p:cNvGrpSpPr/>
+        <p:nvPr/>
+      </p:nvGrpSpPr>
+      <p:grpSpPr>
+        <a:xfrm>
+          <a:off x="0" y="0"/>
+          <a:ext cx="0" cy="0"/>
+          <a:chOff x="0" y="0"/>
+          <a:chExt cx="0" cy="0"/>
+        </a:xfrm>
+      </p:grpSpPr>
+      <p:sp>
+        <p:nvSpPr>
+          <p:cNvPr id="12" name="Рисунок 2"/>
+          <p:cNvSpPr>
+            <a:spLocks noGrp="1"/>
+          </p:cNvSpPr>
+          <p:nvPr>
+            <p:ph type="pic" sz="quarter" idx="15" hasCustomPrompt="1"/>
+          </p:nvPr>
+        </p:nvSpPr>
+        <p:spPr>
+          <a:xfrm>
+            <a:off x="442801" y="1089024"/>
+            <a:ext cx="2663131" cy="4679949"/>
+          </a:xfrm>
+          <a:prstGeom prst="roundRect">
+            <a:avLst>
+              <a:gd name="adj" fmla="val 7525"/>
+            </a:avLst>
+          </a:prstGeom>
+        </p:spPr>
+        <p:txBody>
+          <a:bodyPr/>
+          <a:lstStyle>
+            <a:lvl1pPr marL="0" indent="0">
+              <a:buNone/>
+              <a:defRPr sz="2000"/>
+            </a:lvl1pPr>
+          </a:lstStyle>
+          <a:p>
+            <a:r>
+              <a:rPr lang="ru-RU" dirty="0"/>
+              <a:t>Нажмите на иконку </a:t>
+            </a:r>
+            <a:br>
+              <a:rPr lang="ru-RU" dirty="0"/>
+            </a:br>
+            <a:r>
+              <a:rPr lang="ru-RU" dirty="0"/>
+              <a:t>и вставьте картинку</a:t>
+            </a:r>
+            <a:endParaRPr lang="ru-RU" dirty="0"/>
+          </a:p>
+        </p:txBody>
+      </p:sp>
+      <p:sp>
+        <p:nvSpPr>
+          <p:cNvPr id="13" name="Title Text"/>
+          <p:cNvSpPr txBox="1">
+            <a:spLocks noGrp="1"/>
+          </p:cNvSpPr>
+          <p:nvPr>
+            <p:ph type="title" hasCustomPrompt="1"/>
+          </p:nvPr>
+        </p:nvSpPr>
+        <p:spPr>
+          <a:prstGeom prst="rect">
+            <a:avLst/>
+          </a:prstGeom>
+        </p:spPr>
+        <p:txBody>
+          <a:bodyPr lIns="0" tIns="0" rIns="0" bIns="0"/>
+          <a:lstStyle/>
+          <a:p>
+            <a:r>
+              <a:rPr lang="ru-RU" dirty="0"/>
+              <a:t>Заголовок</a:t>
+            </a:r>
+            <a:endParaRPr dirty="0"/>
+          </a:p>
+        </p:txBody>
+      </p:sp>
+      <p:sp>
+        <p:nvSpPr>
+          <p:cNvPr id="14" name="Рисунок 2"/>
+          <p:cNvSpPr>
+            <a:spLocks noGrp="1"/>
+          </p:cNvSpPr>
+          <p:nvPr>
+            <p:ph type="pic" sz="quarter" idx="16" hasCustomPrompt="1"/>
+          </p:nvPr>
+        </p:nvSpPr>
+        <p:spPr>
+          <a:xfrm>
+            <a:off x="9086070" y="1089024"/>
+            <a:ext cx="2663131" cy="4679949"/>
+          </a:xfrm>
+          <a:prstGeom prst="roundRect">
+            <a:avLst>
+              <a:gd name="adj" fmla="val 7525"/>
+            </a:avLst>
+          </a:prstGeom>
+        </p:spPr>
+        <p:txBody>
+          <a:bodyPr/>
+          <a:lstStyle>
+            <a:lvl1pPr marL="0" indent="0">
+              <a:buNone/>
+              <a:defRPr sz="2000"/>
+            </a:lvl1pPr>
+          </a:lstStyle>
+          <a:p>
+            <a:r>
+              <a:rPr lang="ru-RU" dirty="0"/>
+              <a:t>Нажмите на иконку </a:t>
+            </a:r>
+            <a:br>
+              <a:rPr lang="ru-RU" dirty="0"/>
+            </a:br>
+            <a:r>
+              <a:rPr lang="ru-RU" dirty="0"/>
+              <a:t>и вставьте картинку</a:t>
+            </a:r>
+            <a:endParaRPr lang="ru-RU" dirty="0"/>
+          </a:p>
+        </p:txBody>
+      </p:sp>
+      <p:sp>
+        <p:nvSpPr>
+          <p:cNvPr id="15" name="Рисунок 2"/>
+          <p:cNvSpPr>
+            <a:spLocks noGrp="1"/>
+          </p:cNvSpPr>
+          <p:nvPr>
+            <p:ph type="pic" sz="quarter" idx="17" hasCustomPrompt="1"/>
+          </p:nvPr>
+        </p:nvSpPr>
+        <p:spPr>
+          <a:xfrm>
+            <a:off x="6202800" y="1089024"/>
+            <a:ext cx="2663131" cy="4679949"/>
+          </a:xfrm>
+          <a:prstGeom prst="roundRect">
+            <a:avLst>
+              <a:gd name="adj" fmla="val 7525"/>
+            </a:avLst>
+          </a:prstGeom>
+        </p:spPr>
+        <p:txBody>
+          <a:bodyPr/>
+          <a:lstStyle>
+            <a:lvl1pPr marL="0" indent="0">
+              <a:buNone/>
+              <a:defRPr sz="2000"/>
+            </a:lvl1pPr>
+          </a:lstStyle>
+          <a:p>
+            <a:r>
+              <a:rPr lang="ru-RU" dirty="0"/>
+              <a:t>Нажмите на иконку </a:t>
+            </a:r>
+            <a:br>
+              <a:rPr lang="ru-RU" dirty="0"/>
+            </a:br>
+            <a:r>
+              <a:rPr lang="ru-RU" dirty="0"/>
+              <a:t>и вставьте картинку</a:t>
+            </a:r>
+            <a:endParaRPr lang="ru-RU" dirty="0"/>
+          </a:p>
+        </p:txBody>
+      </p:sp>
+      <p:sp>
+        <p:nvSpPr>
+          <p:cNvPr id="16" name="Рисунок 2"/>
+          <p:cNvSpPr>
+            <a:spLocks noGrp="1"/>
+          </p:cNvSpPr>
+          <p:nvPr>
+            <p:ph type="pic" sz="quarter" idx="18" hasCustomPrompt="1"/>
+          </p:nvPr>
+        </p:nvSpPr>
+        <p:spPr>
+          <a:xfrm>
+            <a:off x="3323891" y="1089024"/>
+            <a:ext cx="2663131" cy="4679949"/>
+          </a:xfrm>
+          <a:prstGeom prst="roundRect">
+            <a:avLst>
+              <a:gd name="adj" fmla="val 7525"/>
+            </a:avLst>
+          </a:prstGeom>
+        </p:spPr>
+        <p:txBody>
+          <a:bodyPr/>
+          <a:lstStyle>
+            <a:lvl1pPr marL="0" indent="0">
+              <a:buNone/>
+              <a:defRPr sz="2000"/>
+            </a:lvl1pPr>
+          </a:lstStyle>
+          <a:p>
+            <a:r>
+              <a:rPr lang="ru-RU" dirty="0"/>
+              <a:t>Нажмите на иконку </a:t>
+            </a:r>
+            <a:br>
+              <a:rPr lang="ru-RU" dirty="0"/>
+            </a:br>
+            <a:r>
+              <a:rPr lang="ru-RU" dirty="0"/>
+              <a:t>и вставьте картинку</a:t>
+            </a:r>
+            <a:endParaRPr lang="ru-RU" dirty="0"/>
+          </a:p>
+        </p:txBody>
+      </p:sp>
+    </p:spTree>
+  </p:cSld>
+  <p:clrMapOvr>
+    <a:masterClrMapping/>
+  </p:clrMapOvr>
+  <p:transition spd="med"/>
+</p:sldLayout>
+</file>
+
 <file path=ppt/slideLayouts/slideLayout3.xml><?xml version="1.0" encoding="utf-8"?>
 <p:sldLayout xmlns:a="http://schemas.openxmlformats.org/drawingml/2006/main" xmlns:r="http://schemas.openxmlformats.org/officeDocument/2006/relationships" xmlns:p="http://schemas.openxmlformats.org/presentationml/2006/main" type="secHead" preserve="1">
   <p:cSld name="Section Header">
@@ -4376,6 +4611,7 @@
     <p:sldLayoutId id="2147483666" r:id="rId18"/>
     <p:sldLayoutId id="2147483667" r:id="rId19"/>
     <p:sldLayoutId id="2147483668" r:id="rId20"/>
+    <p:sldLayoutId id="2147483669" r:id="rId21"/>
   </p:sldLayoutIdLst>
   <p:txStyles>
     <p:titleStyle>
@@ -5506,6 +5742,552 @@
 </file>
 
 <file path=ppt/slides/slide13.xml><?xml version="1.0" encoding="utf-8"?>
+<p:sld xmlns:a="http://schemas.openxmlformats.org/drawingml/2006/main" xmlns:r="http://schemas.openxmlformats.org/officeDocument/2006/relationships" xmlns:p="http://schemas.openxmlformats.org/presentationml/2006/main">
+  <p:cSld>
+    <p:spTree>
+      <p:nvGrpSpPr>
+        <p:cNvPr id="1" name=""/>
+        <p:cNvGrpSpPr/>
+        <p:nvPr/>
+      </p:nvGrpSpPr>
+      <p:grpSpPr>
+        <a:xfrm>
+          <a:off x="0" y="0"/>
+          <a:ext cx="0" cy="0"/>
+          <a:chOff x="0" y="0"/>
+          <a:chExt cx="0" cy="0"/>
+        </a:xfrm>
+      </p:grpSpPr>
+      <p:pic>
+        <p:nvPicPr>
+          <p:cNvPr id="8" name="Рисунок 7" descr="C:\Users\user\Documents\GitHub\dota3.5\images\roc_lgbm.pngroc_lgbm"/>
+          <p:cNvPicPr>
+            <a:picLocks noGrp="1" noChangeAspect="1"/>
+          </p:cNvPicPr>
+          <p:nvPr>
+            <p:ph type="pic" sz="quarter" idx="15"/>
+          </p:nvPr>
+        </p:nvPicPr>
+        <p:blipFill>
+          <a:blip r:embed="rId1"/>
+          <a:srcRect/>
+          <a:stretch>
+            <a:fillRect/>
+          </a:stretch>
+        </p:blipFill>
+        <p:spPr>
+          <a:xfrm>
+            <a:off x="442801" y="2634931"/>
+            <a:ext cx="2663131" cy="1588135"/>
+          </a:xfrm>
+        </p:spPr>
+      </p:pic>
+      <p:sp>
+        <p:nvSpPr>
+          <p:cNvPr id="3" name="Заголовок 2"/>
+          <p:cNvSpPr>
+            <a:spLocks noGrp="1"/>
+          </p:cNvSpPr>
+          <p:nvPr>
+            <p:ph type="title"/>
+          </p:nvPr>
+        </p:nvSpPr>
+        <p:spPr>
+          <a:xfrm>
+            <a:off x="442595" y="365125"/>
+            <a:ext cx="10515600" cy="1325563"/>
+          </a:xfrm>
+        </p:spPr>
+        <p:txBody>
+          <a:bodyPr anchor="t" anchorCtr="0"/>
+          <a:lstStyle/>
+          <a:p>
+            <a:r>
+              <a:rPr lang="ru-RU" dirty="0">
+                <a:latin typeface="CoFo Sans Medium" panose="020B0603030202060203" charset="0"/>
+                <a:cs typeface="CoFo Sans Medium" panose="020B0603030202060203" charset="0"/>
+              </a:rPr>
+              <a:t>Графики </a:t>
+            </a:r>
+            <a:r>
+              <a:rPr lang="en-US" dirty="0">
+                <a:latin typeface="CoFo Sans Medium" panose="020B0603030202060203" charset="0"/>
+                <a:cs typeface="CoFo Sans Medium" panose="020B0603030202060203" charset="0"/>
+              </a:rPr>
+              <a:t>ROC </a:t>
+            </a:r>
+            <a:r>
+              <a:rPr lang="ru-RU" dirty="0">
+                <a:latin typeface="CoFo Sans Medium" panose="020B0603030202060203" charset="0"/>
+                <a:cs typeface="CoFo Sans Medium" panose="020B0603030202060203" charset="0"/>
+              </a:rPr>
+              <a:t>каждой модели</a:t>
+            </a:r>
+            <a:endParaRPr lang="ru-RU" dirty="0">
+              <a:latin typeface="CoFo Sans Medium" panose="020B0603030202060203" charset="0"/>
+              <a:cs typeface="CoFo Sans Medium" panose="020B0603030202060203" charset="0"/>
+            </a:endParaRPr>
+          </a:p>
+        </p:txBody>
+      </p:sp>
+      <p:pic>
+        <p:nvPicPr>
+          <p:cNvPr id="14" name="Рисунок 13" descr="C:\Users\user\Documents\GitHub\dota3.5\images\roc_random_forest.pngroc_random_forest"/>
+          <p:cNvPicPr>
+            <a:picLocks noGrp="1" noChangeAspect="1"/>
+          </p:cNvPicPr>
+          <p:nvPr>
+            <p:ph type="pic" sz="quarter" idx="16"/>
+          </p:nvPr>
+        </p:nvPicPr>
+        <p:blipFill>
+          <a:blip r:embed="rId2"/>
+          <a:srcRect/>
+          <a:stretch>
+            <a:fillRect/>
+          </a:stretch>
+        </p:blipFill>
+        <p:spPr>
+          <a:xfrm>
+            <a:off x="9086070" y="2634931"/>
+            <a:ext cx="2663131" cy="1588135"/>
+          </a:xfrm>
+        </p:spPr>
+      </p:pic>
+      <p:pic>
+        <p:nvPicPr>
+          <p:cNvPr id="12" name="Рисунок 11" descr="C:\Users\user\Documents\GitHub\dota3.5\images\roc_catboost.pngroc_catboost"/>
+          <p:cNvPicPr>
+            <a:picLocks noGrp="1" noChangeAspect="1"/>
+          </p:cNvPicPr>
+          <p:nvPr>
+            <p:ph type="pic" sz="quarter" idx="17"/>
+          </p:nvPr>
+        </p:nvPicPr>
+        <p:blipFill>
+          <a:blip r:embed="rId3"/>
+          <a:srcRect/>
+          <a:stretch>
+            <a:fillRect/>
+          </a:stretch>
+        </p:blipFill>
+        <p:spPr>
+          <a:xfrm>
+            <a:off x="6202800" y="2634931"/>
+            <a:ext cx="2663131" cy="1588135"/>
+          </a:xfrm>
+        </p:spPr>
+      </p:pic>
+      <p:pic>
+        <p:nvPicPr>
+          <p:cNvPr id="10" name="Рисунок 9" descr="C:\Users\user\Documents\GitHub\dota3.5\images\roc_xgb.pngroc_xgb"/>
+          <p:cNvPicPr>
+            <a:picLocks noGrp="1" noChangeAspect="1"/>
+          </p:cNvPicPr>
+          <p:nvPr>
+            <p:ph type="pic" sz="quarter" idx="18"/>
+          </p:nvPr>
+        </p:nvPicPr>
+        <p:blipFill>
+          <a:blip r:embed="rId4"/>
+          <a:srcRect/>
+          <a:stretch>
+            <a:fillRect/>
+          </a:stretch>
+        </p:blipFill>
+        <p:spPr>
+          <a:xfrm>
+            <a:off x="3323891" y="2634931"/>
+            <a:ext cx="2663131" cy="1588135"/>
+          </a:xfrm>
+        </p:spPr>
+      </p:pic>
+      <p:sp>
+        <p:nvSpPr>
+          <p:cNvPr id="15" name="Скругленный прямоугольник 14"/>
+          <p:cNvSpPr/>
+          <p:nvPr/>
+        </p:nvSpPr>
+        <p:spPr>
+          <a:xfrm>
+            <a:off x="658800" y="5350698"/>
+            <a:ext cx="1204412" cy="216000"/>
+          </a:xfrm>
+          <a:prstGeom prst="roundRect">
+            <a:avLst>
+              <a:gd name="adj" fmla="val 50000"/>
+            </a:avLst>
+          </a:prstGeom>
+          <a:solidFill>
+            <a:srgbClr val="FFFFFF"/>
+          </a:solidFill>
+          <a:ln w="25400" cap="flat">
+            <a:noFill/>
+            <a:prstDash val="solid"/>
+            <a:round/>
+          </a:ln>
+          <a:effectLst/>
+          <a:sp3d/>
+        </p:spPr>
+        <p:style>
+          <a:lnRef idx="0">
+            <a:scrgbClr r="0" g="0" b="0"/>
+          </a:lnRef>
+          <a:fillRef idx="0">
+            <a:scrgbClr r="0" g="0" b="0"/>
+          </a:fillRef>
+          <a:effectRef idx="0">
+            <a:scrgbClr r="0" g="0" b="0"/>
+          </a:effectRef>
+          <a:fontRef idx="none"/>
+        </p:style>
+        <p:txBody>
+          <a:bodyPr rot="0" spcFirstLastPara="1" vertOverflow="overflow" horzOverflow="overflow" vert="horz" wrap="square" lIns="0" tIns="0" rIns="0" bIns="0" numCol="1" spcCol="38100" rtlCol="0" anchor="ctr">
+            <a:noAutofit/>
+          </a:bodyPr>
+          <a:lstStyle/>
+          <a:p>
+            <a:pPr marL="0" marR="0" indent="0" algn="ctr" defTabSz="825500" rtl="0" fontAlgn="auto" latinLnBrk="0" hangingPunct="0">
+              <a:lnSpc>
+                <a:spcPct val="100000"/>
+              </a:lnSpc>
+              <a:spcBef>
+                <a:spcPts val="0"/>
+              </a:spcBef>
+              <a:spcAft>
+                <a:spcPts val="0"/>
+              </a:spcAft>
+              <a:buClrTx/>
+              <a:buSzTx/>
+              <a:buFontTx/>
+              <a:buNone/>
+            </a:pPr>
+            <a:r>
+              <a:rPr kumimoji="0" lang="en-US" altLang="ru-RU" sz="800" b="0" i="0" u="none" strike="noStrike" cap="none" spc="0" normalizeH="0" baseline="0" dirty="0">
+                <a:ln>
+                  <a:noFill/>
+                </a:ln>
+                <a:solidFill>
+                  <a:srgbClr val="000000"/>
+                </a:solidFill>
+                <a:effectLst/>
+                <a:uFillTx/>
+                <a:latin typeface="+mn-lt"/>
+                <a:ea typeface="+mn-ea"/>
+                <a:cs typeface="+mn-cs"/>
+                <a:sym typeface="CoFo Sans" panose="020B0503030202060203"/>
+              </a:rPr>
+              <a:t>LightGBM</a:t>
+            </a:r>
+            <a:endParaRPr kumimoji="0" lang="en-US" altLang="ru-RU" sz="800" b="0" i="0" u="none" strike="noStrike" cap="none" spc="0" normalizeH="0" baseline="0" dirty="0">
+              <a:ln>
+                <a:noFill/>
+              </a:ln>
+              <a:solidFill>
+                <a:srgbClr val="000000"/>
+              </a:solidFill>
+              <a:effectLst/>
+              <a:uFillTx/>
+              <a:latin typeface="+mn-lt"/>
+              <a:ea typeface="+mn-ea"/>
+              <a:cs typeface="+mn-cs"/>
+              <a:sym typeface="CoFo Sans" panose="020B0503030202060203"/>
+            </a:endParaRPr>
+          </a:p>
+        </p:txBody>
+      </p:sp>
+      <p:sp>
+        <p:nvSpPr>
+          <p:cNvPr id="16" name="Скругленный прямоугольник 15"/>
+          <p:cNvSpPr/>
+          <p:nvPr/>
+        </p:nvSpPr>
+        <p:spPr>
+          <a:xfrm>
+            <a:off x="3538800" y="5350698"/>
+            <a:ext cx="1204412" cy="216000"/>
+          </a:xfrm>
+          <a:prstGeom prst="roundRect">
+            <a:avLst>
+              <a:gd name="adj" fmla="val 50000"/>
+            </a:avLst>
+          </a:prstGeom>
+          <a:solidFill>
+            <a:srgbClr val="FFFFFF"/>
+          </a:solidFill>
+          <a:ln w="25400" cap="flat">
+            <a:noFill/>
+            <a:prstDash val="solid"/>
+            <a:round/>
+          </a:ln>
+          <a:effectLst/>
+          <a:sp3d/>
+        </p:spPr>
+        <p:style>
+          <a:lnRef idx="0">
+            <a:scrgbClr r="0" g="0" b="0"/>
+          </a:lnRef>
+          <a:fillRef idx="0">
+            <a:scrgbClr r="0" g="0" b="0"/>
+          </a:fillRef>
+          <a:effectRef idx="0">
+            <a:scrgbClr r="0" g="0" b="0"/>
+          </a:effectRef>
+          <a:fontRef idx="none"/>
+        </p:style>
+        <p:txBody>
+          <a:bodyPr rot="0" spcFirstLastPara="1" vertOverflow="overflow" horzOverflow="overflow" vert="horz" wrap="square" lIns="0" tIns="0" rIns="0" bIns="0" numCol="1" spcCol="38100" rtlCol="0" anchor="ctr">
+            <a:noAutofit/>
+          </a:bodyPr>
+          <a:lstStyle/>
+          <a:p>
+            <a:pPr marL="0" marR="0" indent="0" algn="ctr" defTabSz="825500" rtl="0" fontAlgn="auto" latinLnBrk="0" hangingPunct="0">
+              <a:lnSpc>
+                <a:spcPct val="100000"/>
+              </a:lnSpc>
+              <a:spcBef>
+                <a:spcPts val="0"/>
+              </a:spcBef>
+              <a:spcAft>
+                <a:spcPts val="0"/>
+              </a:spcAft>
+              <a:buClrTx/>
+              <a:buSzTx/>
+              <a:buFontTx/>
+              <a:buNone/>
+            </a:pPr>
+            <a:r>
+              <a:rPr kumimoji="0" lang="en-US" altLang="ru-RU" sz="800" b="0" i="0" u="none" strike="noStrike" cap="none" spc="0" normalizeH="0" baseline="0" dirty="0">
+                <a:ln>
+                  <a:noFill/>
+                </a:ln>
+                <a:solidFill>
+                  <a:srgbClr val="000000"/>
+                </a:solidFill>
+                <a:effectLst/>
+                <a:uFillTx/>
+                <a:latin typeface="+mn-lt"/>
+                <a:ea typeface="+mn-ea"/>
+                <a:cs typeface="+mn-cs"/>
+                <a:sym typeface="CoFo Sans" panose="020B0503030202060203"/>
+              </a:rPr>
+              <a:t>XGBoost</a:t>
+            </a:r>
+            <a:endParaRPr kumimoji="0" lang="en-US" altLang="ru-RU" sz="800" b="0" i="0" u="none" strike="noStrike" cap="none" spc="0" normalizeH="0" baseline="0" dirty="0">
+              <a:ln>
+                <a:noFill/>
+              </a:ln>
+              <a:solidFill>
+                <a:srgbClr val="000000"/>
+              </a:solidFill>
+              <a:effectLst/>
+              <a:uFillTx/>
+              <a:latin typeface="+mn-lt"/>
+              <a:ea typeface="+mn-ea"/>
+              <a:cs typeface="+mn-cs"/>
+              <a:sym typeface="CoFo Sans" panose="020B0503030202060203"/>
+            </a:endParaRPr>
+          </a:p>
+        </p:txBody>
+      </p:sp>
+      <p:sp>
+        <p:nvSpPr>
+          <p:cNvPr id="17" name="Скругленный прямоугольник 16"/>
+          <p:cNvSpPr/>
+          <p:nvPr/>
+        </p:nvSpPr>
+        <p:spPr>
+          <a:xfrm>
+            <a:off x="6418800" y="5350698"/>
+            <a:ext cx="1204412" cy="216000"/>
+          </a:xfrm>
+          <a:prstGeom prst="roundRect">
+            <a:avLst>
+              <a:gd name="adj" fmla="val 50000"/>
+            </a:avLst>
+          </a:prstGeom>
+          <a:solidFill>
+            <a:srgbClr val="FFFFFF"/>
+          </a:solidFill>
+          <a:ln w="25400" cap="flat">
+            <a:noFill/>
+            <a:prstDash val="solid"/>
+            <a:round/>
+          </a:ln>
+          <a:effectLst/>
+          <a:sp3d/>
+        </p:spPr>
+        <p:style>
+          <a:lnRef idx="0">
+            <a:scrgbClr r="0" g="0" b="0"/>
+          </a:lnRef>
+          <a:fillRef idx="0">
+            <a:scrgbClr r="0" g="0" b="0"/>
+          </a:fillRef>
+          <a:effectRef idx="0">
+            <a:scrgbClr r="0" g="0" b="0"/>
+          </a:effectRef>
+          <a:fontRef idx="none"/>
+        </p:style>
+        <p:txBody>
+          <a:bodyPr rot="0" spcFirstLastPara="1" vertOverflow="overflow" horzOverflow="overflow" vert="horz" wrap="square" lIns="0" tIns="0" rIns="0" bIns="0" numCol="1" spcCol="38100" rtlCol="0" anchor="ctr">
+            <a:noAutofit/>
+          </a:bodyPr>
+          <a:lstStyle/>
+          <a:p>
+            <a:pPr marL="0" marR="0" indent="0" algn="ctr" defTabSz="825500" rtl="0" fontAlgn="auto" latinLnBrk="0" hangingPunct="0">
+              <a:lnSpc>
+                <a:spcPct val="100000"/>
+              </a:lnSpc>
+              <a:spcBef>
+                <a:spcPts val="0"/>
+              </a:spcBef>
+              <a:spcAft>
+                <a:spcPts val="0"/>
+              </a:spcAft>
+              <a:buClrTx/>
+              <a:buSzTx/>
+              <a:buFontTx/>
+              <a:buNone/>
+            </a:pPr>
+            <a:r>
+              <a:rPr kumimoji="0" lang="en-US" altLang="ru-RU" sz="800" b="0" i="0" u="none" strike="noStrike" cap="none" spc="0" normalizeH="0" baseline="0" dirty="0">
+                <a:ln>
+                  <a:noFill/>
+                </a:ln>
+                <a:solidFill>
+                  <a:srgbClr val="000000"/>
+                </a:solidFill>
+                <a:effectLst/>
+                <a:uFillTx/>
+                <a:latin typeface="+mn-lt"/>
+                <a:ea typeface="+mn-ea"/>
+                <a:cs typeface="+mn-cs"/>
+                <a:sym typeface="CoFo Sans" panose="020B0503030202060203"/>
+              </a:rPr>
+              <a:t>CatBoost</a:t>
+            </a:r>
+            <a:endParaRPr kumimoji="0" lang="en-US" altLang="ru-RU" sz="800" b="0" i="0" u="none" strike="noStrike" cap="none" spc="0" normalizeH="0" baseline="0" dirty="0">
+              <a:ln>
+                <a:noFill/>
+              </a:ln>
+              <a:solidFill>
+                <a:srgbClr val="000000"/>
+              </a:solidFill>
+              <a:effectLst/>
+              <a:uFillTx/>
+              <a:latin typeface="+mn-lt"/>
+              <a:ea typeface="+mn-ea"/>
+              <a:cs typeface="+mn-cs"/>
+              <a:sym typeface="CoFo Sans" panose="020B0503030202060203"/>
+            </a:endParaRPr>
+          </a:p>
+        </p:txBody>
+      </p:sp>
+      <p:sp>
+        <p:nvSpPr>
+          <p:cNvPr id="18" name="Скругленный прямоугольник 17"/>
+          <p:cNvSpPr/>
+          <p:nvPr/>
+        </p:nvSpPr>
+        <p:spPr>
+          <a:xfrm>
+            <a:off x="9295200" y="5350698"/>
+            <a:ext cx="1204412" cy="216000"/>
+          </a:xfrm>
+          <a:prstGeom prst="roundRect">
+            <a:avLst>
+              <a:gd name="adj" fmla="val 50000"/>
+            </a:avLst>
+          </a:prstGeom>
+          <a:solidFill>
+            <a:srgbClr val="FFFFFF"/>
+          </a:solidFill>
+          <a:ln w="25400" cap="flat">
+            <a:noFill/>
+            <a:prstDash val="solid"/>
+            <a:round/>
+          </a:ln>
+          <a:effectLst/>
+          <a:sp3d/>
+        </p:spPr>
+        <p:style>
+          <a:lnRef idx="0">
+            <a:scrgbClr r="0" g="0" b="0"/>
+          </a:lnRef>
+          <a:fillRef idx="0">
+            <a:scrgbClr r="0" g="0" b="0"/>
+          </a:fillRef>
+          <a:effectRef idx="0">
+            <a:scrgbClr r="0" g="0" b="0"/>
+          </a:effectRef>
+          <a:fontRef idx="none"/>
+        </p:style>
+        <p:txBody>
+          <a:bodyPr rot="0" spcFirstLastPara="1" vertOverflow="overflow" horzOverflow="overflow" vert="horz" wrap="square" lIns="0" tIns="0" rIns="0" bIns="0" numCol="1" spcCol="38100" rtlCol="0" anchor="ctr">
+            <a:noAutofit/>
+          </a:bodyPr>
+          <a:lstStyle/>
+          <a:p>
+            <a:pPr marL="0" marR="0" indent="0" algn="ctr" defTabSz="825500" rtl="0" fontAlgn="auto" latinLnBrk="0" hangingPunct="0">
+              <a:lnSpc>
+                <a:spcPct val="100000"/>
+              </a:lnSpc>
+              <a:spcBef>
+                <a:spcPts val="0"/>
+              </a:spcBef>
+              <a:spcAft>
+                <a:spcPts val="0"/>
+              </a:spcAft>
+              <a:buClrTx/>
+              <a:buSzTx/>
+              <a:buFontTx/>
+              <a:buNone/>
+            </a:pPr>
+            <a:r>
+              <a:rPr kumimoji="0" lang="en-US" altLang="ru-RU" sz="800" b="0" i="0" u="none" strike="noStrike" cap="none" spc="0" normalizeH="0" baseline="0" dirty="0">
+                <a:ln>
+                  <a:noFill/>
+                </a:ln>
+                <a:solidFill>
+                  <a:srgbClr val="000000"/>
+                </a:solidFill>
+                <a:effectLst/>
+                <a:uFillTx/>
+                <a:latin typeface="+mn-lt"/>
+                <a:ea typeface="+mn-ea"/>
+                <a:cs typeface="+mn-cs"/>
+                <a:sym typeface="CoFo Sans" panose="020B0503030202060203"/>
+              </a:rPr>
+              <a:t>RandomForestClassifier</a:t>
+            </a:r>
+            <a:endParaRPr kumimoji="0" lang="en-US" altLang="ru-RU" sz="800" b="0" i="0" u="none" strike="noStrike" cap="none" spc="0" normalizeH="0" baseline="0" dirty="0">
+              <a:ln>
+                <a:noFill/>
+              </a:ln>
+              <a:solidFill>
+                <a:srgbClr val="000000"/>
+              </a:solidFill>
+              <a:effectLst/>
+              <a:uFillTx/>
+              <a:latin typeface="+mn-lt"/>
+              <a:ea typeface="+mn-ea"/>
+              <a:cs typeface="+mn-cs"/>
+              <a:sym typeface="CoFo Sans" panose="020B0503030202060203"/>
+            </a:endParaRPr>
+          </a:p>
+        </p:txBody>
+      </p:sp>
+    </p:spTree>
+  </p:cSld>
+  <p:clrMapOvr>
+    <a:masterClrMapping/>
+  </p:clrMapOvr>
+  <p:transition spd="med"/>
+</p:sld>
+</file>
+
+<file path=ppt/slides/slide14.xml><?xml version="1.0" encoding="utf-8"?>
 <p:sld xmlns:a="http://schemas.openxmlformats.org/drawingml/2006/main" xmlns:r="http://schemas.openxmlformats.org/officeDocument/2006/relationships" xmlns:p="http://schemas.openxmlformats.org/presentationml/2006/main">
   <p:cSld>
     <p:spTree>
@@ -7781,7 +8563,184 @@
 </p:sld>
 </file>
 
-<file path=ppt/slides/slide14.xml><?xml version="1.0" encoding="utf-8"?>
+<file path=ppt/slides/slide15.xml><?xml version="1.0" encoding="utf-8"?>
+<p:sld xmlns:a="http://schemas.openxmlformats.org/drawingml/2006/main" xmlns:r="http://schemas.openxmlformats.org/officeDocument/2006/relationships" xmlns:p="http://schemas.openxmlformats.org/presentationml/2006/main">
+  <p:cSld>
+    <p:spTree>
+      <p:nvGrpSpPr>
+        <p:cNvPr id="1" name=""/>
+        <p:cNvGrpSpPr/>
+        <p:nvPr/>
+      </p:nvGrpSpPr>
+      <p:grpSpPr>
+        <a:xfrm>
+          <a:off x="0" y="0"/>
+          <a:ext cx="0" cy="0"/>
+          <a:chOff x="0" y="0"/>
+          <a:chExt cx="0" cy="0"/>
+        </a:xfrm>
+      </p:grpSpPr>
+      <p:sp>
+        <p:nvSpPr>
+          <p:cNvPr id="2" name="Заголовок 1"/>
+          <p:cNvSpPr>
+            <a:spLocks noGrp="1"/>
+          </p:cNvSpPr>
+          <p:nvPr>
+            <p:ph type="title"/>
+          </p:nvPr>
+        </p:nvSpPr>
+        <p:spPr>
+          <a:xfrm>
+            <a:off x="443230" y="375920"/>
+            <a:ext cx="10515600" cy="1325563"/>
+          </a:xfrm>
+        </p:spPr>
+        <p:txBody>
+          <a:bodyPr anchor="t" anchorCtr="0"/>
+          <a:lstStyle/>
+          <a:p>
+            <a:r>
+              <a:rPr lang="ru-RU" dirty="0">
+                <a:latin typeface="CoFo Sans Medium" panose="020B0603030202060203" charset="0"/>
+                <a:cs typeface="CoFo Sans Medium" panose="020B0603030202060203" charset="0"/>
+              </a:rPr>
+              <a:t>Вывод</a:t>
+            </a:r>
+            <a:endParaRPr lang="ru-RU" dirty="0">
+              <a:latin typeface="CoFo Sans Medium" panose="020B0603030202060203" charset="0"/>
+              <a:cs typeface="CoFo Sans Medium" panose="020B0603030202060203" charset="0"/>
+            </a:endParaRPr>
+          </a:p>
+        </p:txBody>
+      </p:sp>
+      <p:pic>
+        <p:nvPicPr>
+          <p:cNvPr id="6" name="Рисунок 5" descr="C:\Users\user\Documents\GitHub\dota3.5\images\randomforest_metric.pngrandomforest_metric"/>
+          <p:cNvPicPr>
+            <a:picLocks noGrp="1" noChangeAspect="1"/>
+          </p:cNvPicPr>
+          <p:nvPr>
+            <p:ph type="pic" sz="quarter" idx="11"/>
+          </p:nvPr>
+        </p:nvPicPr>
+        <p:blipFill>
+          <a:blip r:embed="rId1"/>
+          <a:srcRect/>
+          <a:stretch>
+            <a:fillRect/>
+          </a:stretch>
+        </p:blipFill>
+        <p:spPr>
+          <a:xfrm>
+            <a:off x="7807325" y="3705860"/>
+            <a:ext cx="2469515" cy="2895600"/>
+          </a:xfrm>
+        </p:spPr>
+      </p:pic>
+      <p:sp>
+        <p:nvSpPr>
+          <p:cNvPr id="4" name="Текст 3"/>
+          <p:cNvSpPr>
+            <a:spLocks noGrp="1"/>
+          </p:cNvSpPr>
+          <p:nvPr>
+            <p:ph type="body" sz="quarter" idx="12"/>
+          </p:nvPr>
+        </p:nvSpPr>
+        <p:spPr/>
+        <p:txBody>
+          <a:bodyPr/>
+          <a:lstStyle/>
+          <a:p>
+            <a:r>
+              <a:rPr lang="ru-RU" dirty="0">
+                <a:latin typeface="CoFo Sans Medium" panose="020B0603030202060203" charset="0"/>
+                <a:cs typeface="CoFo Sans Medium" panose="020B0603030202060203" charset="0"/>
+              </a:rPr>
+              <a:t>Самой точной моделью на основе метрики </a:t>
+            </a:r>
+            <a:r>
+              <a:rPr lang="en-US" dirty="0">
+                <a:solidFill>
+                  <a:srgbClr val="009BFF"/>
+                </a:solidFill>
+                <a:latin typeface="CoFo Sans Medium" panose="020B0603030202060203" charset="0"/>
+                <a:cs typeface="CoFo Sans Medium" panose="020B0603030202060203" charset="0"/>
+              </a:rPr>
+              <a:t>ROC-AUC</a:t>
+            </a:r>
+            <a:r>
+              <a:rPr lang="en-US" dirty="0">
+                <a:latin typeface="CoFo Sans Medium" panose="020B0603030202060203" charset="0"/>
+                <a:cs typeface="CoFo Sans Medium" panose="020B0603030202060203" charset="0"/>
+              </a:rPr>
+              <a:t> </a:t>
+            </a:r>
+            <a:r>
+              <a:rPr lang="ru-RU" altLang="en-US" dirty="0">
+                <a:latin typeface="CoFo Sans Medium" panose="020B0603030202060203" charset="0"/>
+                <a:cs typeface="CoFo Sans Medium" panose="020B0603030202060203" charset="0"/>
+              </a:rPr>
+              <a:t>является </a:t>
+            </a:r>
+            <a:r>
+              <a:rPr lang="en-US" altLang="en-US" dirty="0">
+                <a:solidFill>
+                  <a:srgbClr val="009BFF"/>
+                </a:solidFill>
+                <a:latin typeface="CoFo Sans Medium" panose="020B0603030202060203" charset="0"/>
+                <a:cs typeface="CoFo Sans Medium" panose="020B0603030202060203" charset="0"/>
+              </a:rPr>
+              <a:t>Random Forest Classifier</a:t>
+            </a:r>
+            <a:endParaRPr lang="en-US" altLang="en-US" dirty="0">
+              <a:solidFill>
+                <a:srgbClr val="009BFF"/>
+              </a:solidFill>
+              <a:latin typeface="CoFo Sans Medium" panose="020B0603030202060203" charset="0"/>
+              <a:cs typeface="CoFo Sans Medium" panose="020B0603030202060203" charset="0"/>
+            </a:endParaRPr>
+          </a:p>
+        </p:txBody>
+      </p:sp>
+      <p:pic>
+        <p:nvPicPr>
+          <p:cNvPr id="3" name="Рисунок 5" descr="C:\Users\user\Documents\GitHub\dota3.5\images\roc_random_forest.pngroc_random_forest"/>
+          <p:cNvPicPr>
+            <a:picLocks noGrp="1" noChangeAspect="1"/>
+          </p:cNvPicPr>
+          <p:nvPr/>
+        </p:nvPicPr>
+        <p:blipFill>
+          <a:blip r:embed="rId2"/>
+          <a:srcRect/>
+          <a:stretch>
+            <a:fillRect/>
+          </a:stretch>
+        </p:blipFill>
+        <p:spPr>
+          <a:xfrm>
+            <a:off x="6444615" y="375920"/>
+            <a:ext cx="5194935" cy="3098800"/>
+          </a:xfrm>
+          <a:prstGeom prst="roundRect">
+            <a:avLst>
+              <a:gd name="adj" fmla="val 4508"/>
+            </a:avLst>
+          </a:prstGeom>
+        </p:spPr>
+      </p:pic>
+    </p:spTree>
+  </p:cSld>
+  <p:clrMapOvr>
+    <a:masterClrMapping/>
+  </p:clrMapOvr>
+  <p:transition spd="med"/>
+</p:sld>
+</file>
+
+<file path=ppt/slides/slide16.xml><?xml version="1.0" encoding="utf-8"?>
 <p:sld xmlns:a="http://schemas.openxmlformats.org/drawingml/2006/main" xmlns:r="http://schemas.openxmlformats.org/officeDocument/2006/relationships" xmlns:p="http://schemas.openxmlformats.org/presentationml/2006/main">
   <p:cSld>
     <p:spTree>
